--- a/Slides/SPIDAL-Tutorial-Feb2017-midas.pptx
+++ b/Slides/SPIDAL-Tutorial-Feb2017-midas.pptx
@@ -16,7 +16,7 @@
   <p:sldSz cx="9144000" cy="6858000" type="screen4x3"/>
   <p:notesSz cx="6858000" cy="9144000"/>
   <p:custDataLst>
-    <p:tags r:id="rId5"/>
+    <p:tags r:id="rId6"/>
   </p:custDataLst>
   <p:defaultTextStyle>
     <a:defPPr>
@@ -145,7 +145,7 @@
   </p:defaultTextStyle>
   <p:extLst>
     <p:ext uri="{EFAFB233-063F-42B5-8137-9DF3F51BA10A}">
-      <p15:sldGuideLst xmlns:p15="http://schemas.microsoft.com/office/powerpoint/2012/main">
+      <p15:sldGuideLst xmlns:p15="http://schemas.microsoft.com/office/powerpoint/2012/main" xmlns="">
         <p15:guide id="1" orient="horz" pos="656">
           <p15:clr>
             <a:srgbClr val="A4A3A4"/>
@@ -159,7 +159,7 @@
       </p15:sldGuideLst>
     </p:ext>
     <p:ext uri="{2D200454-40CA-4A62-9FC3-DE9A4176ACB9}">
-      <p15:notesGuideLst xmlns:p15="http://schemas.microsoft.com/office/powerpoint/2012/main"/>
+      <p15:notesGuideLst xmlns:p15="http://schemas.microsoft.com/office/powerpoint/2012/main" xmlns=""/>
     </p:ext>
   </p:extLst>
 </p:presentation>
@@ -247,7 +247,7 @@
           <a:p>
             <a:fld id="{33DFDAD5-CF1F-4D76-B31D-BFBA536B9127}" type="datetimeFigureOut">
               <a:rPr lang="en-US" smtClean="0"/>
-              <a:t>2/8/2017</a:t>
+              <a:t>2017-02-21</a:t>
             </a:fld>
             <a:endParaRPr lang="en-US"/>
           </a:p>
@@ -482,7 +482,7 @@
           </a:ln>
           <a:extLst>
             <a:ext uri="{909E8E84-426E-40dd-AFC4-6F175D3DCCD1}">
-              <a14:hiddenFill xmlns:a14="http://schemas.microsoft.com/office/drawing/2010/main" xmlns="">
+              <a14:hiddenFill xmlns:a14="http://schemas.microsoft.com/office/drawing/2010/main">
                 <a:solidFill>
                   <a:srgbClr val="FFFFFF"/>
                 </a:solidFill>
@@ -1266,14 +1266,14 @@
           </a:ln>
           <a:extLst>
             <a:ext uri="{909E8E84-426E-40dd-AFC4-6F175D3DCCD1}">
-              <a14:hiddenFill xmlns:a14="http://schemas.microsoft.com/office/drawing/2010/main" xmlns="">
+              <a14:hiddenFill xmlns:a14="http://schemas.microsoft.com/office/drawing/2010/main">
                 <a:solidFill>
                   <a:srgbClr val="FFFFFF"/>
                 </a:solidFill>
               </a14:hiddenFill>
             </a:ext>
             <a:ext uri="{91240B29-F687-4f45-9708-019B960494DF}">
-              <a14:hiddenLine xmlns:a14="http://schemas.microsoft.com/office/drawing/2010/main" xmlns="" w="9525">
+              <a14:hiddenLine xmlns:a14="http://schemas.microsoft.com/office/drawing/2010/main" w="9525">
                 <a:solidFill>
                   <a:srgbClr val="000000"/>
                 </a:solidFill>
@@ -1325,14 +1325,14 @@
           </a:ln>
           <a:extLst>
             <a:ext uri="{909E8E84-426E-40dd-AFC4-6F175D3DCCD1}">
-              <a14:hiddenFill xmlns:a14="http://schemas.microsoft.com/office/drawing/2010/main" xmlns="">
+              <a14:hiddenFill xmlns:a14="http://schemas.microsoft.com/office/drawing/2010/main">
                 <a:solidFill>
                   <a:srgbClr val="FFFFFF"/>
                 </a:solidFill>
               </a14:hiddenFill>
             </a:ext>
             <a:ext uri="{91240B29-F687-4f45-9708-019B960494DF}">
-              <a14:hiddenLine xmlns:a14="http://schemas.microsoft.com/office/drawing/2010/main" xmlns="" w="9525">
+              <a14:hiddenLine xmlns:a14="http://schemas.microsoft.com/office/drawing/2010/main" w="9525">
                 <a:solidFill>
                   <a:srgbClr val="000000"/>
                 </a:solidFill>
@@ -2299,13 +2299,7 @@
               <a:rPr lang="en-US" sz="2000" dirty="0">
                 <a:hlinkClick r:id="rId3"/>
               </a:rPr>
-              <a:t>https://github.com/radical-cybertools/radical.pilot/tree</a:t>
-            </a:r>
-            <a:r>
-              <a:rPr lang="en-US" sz="2000">
-                <a:hlinkClick r:id="rId3"/>
-              </a:rPr>
-              <a:t>/master</a:t>
+              <a:t>https://github.com/radical-cybertools/radical.pilot/tree/master</a:t>
             </a:r>
             <a:endParaRPr lang="en-US" sz="2400" dirty="0">
               <a:hlinkClick r:id="rId2"/>
@@ -2343,40 +2337,28 @@
               </a:spcBef>
             </a:pPr>
             <a:r>
+              <a:rPr lang="en-US" sz="2400" smtClean="0">
+                <a:hlinkClick r:id="rId4"/>
+              </a:rPr>
+              <a:t>http:</a:t>
+            </a:r>
+            <a:r>
               <a:rPr lang="en-US" sz="2400" dirty="0">
                 <a:hlinkClick r:id="rId4"/>
               </a:rPr>
-              <a:t>https://</a:t>
-            </a:r>
-            <a:r>
-              <a:rPr lang="en-US" sz="2400" dirty="0" err="1">
+              <a:t>/</a:t>
+            </a:r>
+            <a:r>
+              <a:rPr lang="en-US" sz="2400" dirty="0" smtClean="0">
                 <a:hlinkClick r:id="rId4"/>
               </a:rPr>
-              <a:t>becksteinlab.github.io</a:t>
+              <a:t>/www.mdanalysis.org/</a:t>
             </a:r>
             <a:r>
               <a:rPr lang="en-US" sz="2400" dirty="0">
                 <a:hlinkClick r:id="rId4"/>
               </a:rPr>
-              <a:t>/SPIDAL-</a:t>
-            </a:r>
-            <a:r>
-              <a:rPr lang="en-US" sz="2400" dirty="0" err="1">
-                <a:hlinkClick r:id="rId4"/>
-              </a:rPr>
-              <a:t>MDAnalysis</a:t>
-            </a:r>
-            <a:r>
-              <a:rPr lang="en-US" sz="2400" dirty="0">
-                <a:hlinkClick r:id="rId4"/>
-              </a:rPr>
-              <a:t>-Midas-tutorial/</a:t>
-            </a:r>
-            <a:r>
-              <a:rPr lang="en-US" sz="2400" dirty="0" err="1">
-                <a:hlinkClick r:id="rId4"/>
-              </a:rPr>
-              <a:t>index.html</a:t>
+              <a:t>SPIDAL-MDAnalysis-Midas-tutorial/index.html</a:t>
             </a:r>
             <a:endParaRPr lang="en-US" sz="2400" dirty="0"/>
           </a:p>
@@ -2907,7 +2889,7 @@
   </a:extraClrSchemeLst>
   <a:extLst>
     <a:ext uri="{05A4C25C-085E-4340-85A3-A5531E510DB2}">
-      <thm15:themeFamily xmlns:thm15="http://schemas.microsoft.com/office/thememl/2012/main" name="ThemeSPIDAL" id="{7C01B97D-DF9F-4123-89DC-28F1F97B60D5}" vid="{A1043A46-8E94-4D5C-8449-A0EFCB429226}"/>
+      <thm15:themeFamily xmlns:thm15="http://schemas.microsoft.com/office/thememl/2012/main" xmlns="" name="ThemeSPIDAL" id="{7C01B97D-DF9F-4123-89DC-28F1F97B60D5}" vid="{A1043A46-8E94-4D5C-8449-A0EFCB429226}"/>
     </a:ext>
   </a:extLst>
 </a:theme>
@@ -3485,7 +3467,7 @@
   <a:extraClrSchemeLst/>
   <a:extLst>
     <a:ext uri="{05A4C25C-085E-4340-85A3-A5531E510DB2}">
-      <thm15:themeFamily xmlns:thm15="http://schemas.microsoft.com/office/thememl/2012/main" name="Office Theme" id="{62F939B6-93AF-4DB8-9C6B-D6C7DFDC589F}" vid="{4A3C46E8-61CC-4603-A589-7422A47A8E4A}"/>
+      <thm15:themeFamily xmlns:thm15="http://schemas.microsoft.com/office/thememl/2012/main" xmlns="" name="Office Theme" id="{62F939B6-93AF-4DB8-9C6B-D6C7DFDC589F}" vid="{4A3C46E8-61CC-4603-A589-7422A47A8E4A}"/>
     </a:ext>
   </a:extLst>
 </a:theme>
